--- a/OppAffaire/Présentation orale/Présentation.pptx
+++ b/OppAffaire/Présentation orale/Présentation.pptx
@@ -535,10 +535,6 @@
         <c:crossBetween val="between"/>
       </c:valAx>
     </c:plotArea>
-    <c:legend>
-      <c:legendPos val="r"/>
-      <c:overlay val="0"/>
-    </c:legend>
     <c:plotVisOnly val="1"/>
     <c:dispBlanksAs val="gap"/>
     <c:showDLblsOverMax val="0"/>
@@ -859,12 +855,12 @@
 <c:userShapes xmlns:c="http://schemas.openxmlformats.org/drawingml/2006/chart">
   <cdr:relSizeAnchor xmlns:cdr="http://schemas.openxmlformats.org/drawingml/2006/chartDrawing">
     <cdr:from>
-      <cdr:x>0.25833</cdr:x>
-      <cdr:y>0.0264</cdr:y>
+      <cdr:x>0.06828</cdr:x>
+      <cdr:y>0.02754</cdr:y>
     </cdr:from>
     <cdr:to>
-      <cdr:x>0.75333</cdr:x>
-      <cdr:y>0.17544</cdr:y>
+      <cdr:x>0.56328</cdr:x>
+      <cdr:y>0.17658</cdr:y>
     </cdr:to>
     <cdr:sp macro="" textlink="">
       <cdr:nvSpPr>
@@ -873,56 +869,8 @@
       </cdr:nvSpPr>
       <cdr:spPr>
         <a:xfrm xmlns:a="http://schemas.openxmlformats.org/drawingml/2006/main">
-          <a:off x="1181100" y="91744"/>
-          <a:ext cx="2263140" cy="517856"/>
-        </a:xfrm>
-        <a:prstGeom xmlns:a="http://schemas.openxmlformats.org/drawingml/2006/main" prst="rect">
-          <a:avLst/>
-        </a:prstGeom>
-      </cdr:spPr>
-      <cdr:txBody>
-        <a:bodyPr xmlns:a="http://schemas.openxmlformats.org/drawingml/2006/main" vertOverflow="clip" wrap="none" rtlCol="0"/>
-        <a:lstStyle xmlns:a="http://schemas.openxmlformats.org/drawingml/2006/main"/>
-        <a:p xmlns:a="http://schemas.openxmlformats.org/drawingml/2006/main">
-          <a:pPr algn="ctr"/>
-          <a:r>
-            <a:rPr lang="fr-FR" sz="1200" b="1" u="sng"/>
-            <a:t>Matrice de Positionnement</a:t>
-          </a:r>
-          <a:br>
-            <a:rPr lang="fr-FR" sz="1200" b="1" u="sng"/>
-          </a:br>
-          <a:r>
-            <a:rPr lang="fr-FR" sz="1200" b="1" i="1" u="none"/>
-            <a:t>Première</a:t>
-          </a:r>
-          <a:r>
-            <a:rPr lang="fr-FR" sz="1200" b="1" i="1" u="none" baseline="0"/>
-            <a:t> année</a:t>
-          </a:r>
-          <a:endParaRPr lang="fr-FR" sz="1200" b="1" i="1" u="none"/>
-        </a:p>
-      </cdr:txBody>
-    </cdr:sp>
-  </cdr:relSizeAnchor>
-  <cdr:relSizeAnchor xmlns:cdr="http://schemas.openxmlformats.org/drawingml/2006/chartDrawing">
-    <cdr:from>
-      <cdr:x>0.25833</cdr:x>
-      <cdr:y>0.0264</cdr:y>
-    </cdr:from>
-    <cdr:to>
-      <cdr:x>0.75333</cdr:x>
-      <cdr:y>0.17544</cdr:y>
-    </cdr:to>
-    <cdr:sp macro="" textlink="">
-      <cdr:nvSpPr>
-        <cdr:cNvPr id="3" name="ZoneTexte 1"/>
-        <cdr:cNvSpPr txBox="1"/>
-      </cdr:nvSpPr>
-      <cdr:spPr>
-        <a:xfrm xmlns:a="http://schemas.openxmlformats.org/drawingml/2006/main">
-          <a:off x="1181100" y="91744"/>
-          <a:ext cx="2263140" cy="517856"/>
+          <a:off x="411586" y="144016"/>
+          <a:ext cx="2983964" cy="779360"/>
         </a:xfrm>
         <a:prstGeom xmlns:a="http://schemas.openxmlformats.org/drawingml/2006/main" prst="rect">
           <a:avLst/>
@@ -960,12 +908,12 @@
 <c:userShapes xmlns:c="http://schemas.openxmlformats.org/drawingml/2006/chart">
   <cdr:relSizeAnchor xmlns:cdr="http://schemas.openxmlformats.org/drawingml/2006/chartDrawing">
     <cdr:from>
-      <cdr:x>0.27666</cdr:x>
-      <cdr:y>0.0264</cdr:y>
+      <cdr:x>0.11036</cdr:x>
+      <cdr:y>0.02757</cdr:y>
     </cdr:from>
     <cdr:to>
-      <cdr:x>0.77166</cdr:x>
-      <cdr:y>0.17544</cdr:y>
+      <cdr:x>0.60536</cdr:x>
+      <cdr:y>0.17661</cdr:y>
     </cdr:to>
     <cdr:sp macro="" textlink="">
       <cdr:nvSpPr>
@@ -974,8 +922,8 @@
       </cdr:nvSpPr>
       <cdr:spPr>
         <a:xfrm xmlns:a="http://schemas.openxmlformats.org/drawingml/2006/main">
-          <a:off x="1264905" y="91733"/>
-          <a:ext cx="2263140" cy="517872"/>
+          <a:off x="720080" y="144195"/>
+          <a:ext cx="3229660" cy="779360"/>
         </a:xfrm>
         <a:prstGeom xmlns:a="http://schemas.openxmlformats.org/drawingml/2006/main" prst="rect">
           <a:avLst/>
@@ -987,21 +935,21 @@
         <a:p xmlns:a="http://schemas.openxmlformats.org/drawingml/2006/main">
           <a:pPr algn="ctr"/>
           <a:r>
-            <a:rPr lang="fr-FR" sz="1200" b="1" u="sng"/>
+            <a:rPr lang="fr-FR" sz="1200" b="1" u="sng" dirty="0"/>
             <a:t>Matrice de Positionnement</a:t>
           </a:r>
           <a:br>
-            <a:rPr lang="fr-FR" sz="1200" b="1" u="sng"/>
+            <a:rPr lang="fr-FR" sz="1200" b="1" u="sng" dirty="0"/>
           </a:br>
           <a:r>
-            <a:rPr lang="fr-FR" sz="1200" b="1" i="1" u="none"/>
+            <a:rPr lang="fr-FR" sz="1200" b="1" i="1" u="none" dirty="0"/>
             <a:t>Troisième </a:t>
           </a:r>
           <a:r>
-            <a:rPr lang="fr-FR" sz="1200" b="1" i="1" u="none" baseline="0"/>
+            <a:rPr lang="fr-FR" sz="1200" b="1" i="1" u="none" baseline="0" dirty="0"/>
             <a:t>année</a:t>
           </a:r>
-          <a:endParaRPr lang="fr-FR" sz="1200" b="1" i="1" u="none"/>
+          <a:endParaRPr lang="fr-FR" sz="1200" b="1" i="1" u="none" dirty="0"/>
         </a:p>
       </cdr:txBody>
     </cdr:sp>
@@ -2927,7 +2875,7 @@
             </a:pPr>
             <a:r>
               <a:rPr lang="fr-FR" sz="2400" dirty="0"/>
-              <a:t>Cible : </a:t>
+              <a:t>Cibles : </a:t>
             </a:r>
             <a:r>
               <a:rPr lang="fr-FR" sz="2400" b="0" dirty="0"/>
@@ -6411,7 +6359,7 @@
             <a:pPr lvl="1"/>
             <a:r>
               <a:rPr lang="fr-FR" sz="1800" dirty="0"/>
-              <a:t>Système de reconstitution 3D  ou de super-résolution déjà existants</a:t>
+              <a:t>Systèmes de reconstitution 3D  ou de super-résolution déjà existants</a:t>
             </a:r>
           </a:p>
           <a:p>
@@ -6687,14 +6635,14 @@
           <p:nvPr>
             <p:extLst>
               <p:ext uri="{D42A27DB-BD31-4B8C-83A1-F6EECF244321}">
-                <p14:modId xmlns:p14="http://schemas.microsoft.com/office/powerpoint/2010/main" val="2043815878"/>
+                <p14:modId xmlns:p14="http://schemas.microsoft.com/office/powerpoint/2010/main" val="608877804"/>
               </p:ext>
             </p:extLst>
           </p:nvPr>
         </p:nvGraphicFramePr>
         <p:xfrm>
           <a:off x="-160066" y="1628800"/>
-          <a:ext cx="4804074" cy="5229199"/>
+          <a:ext cx="6028210" cy="5229199"/>
         </p:xfrm>
         <a:graphic>
           <a:graphicData uri="http://schemas.openxmlformats.org/drawingml/2006/chart">
@@ -6709,14 +6657,14 @@
           <p:nvPr>
             <p:extLst>
               <p:ext uri="{D42A27DB-BD31-4B8C-83A1-F6EECF244321}">
-                <p14:modId xmlns:p14="http://schemas.microsoft.com/office/powerpoint/2010/main" val="3958780787"/>
+                <p14:modId xmlns:p14="http://schemas.microsoft.com/office/powerpoint/2010/main" val="206863435"/>
               </p:ext>
             </p:extLst>
           </p:nvPr>
         </p:nvGraphicFramePr>
         <p:xfrm>
-          <a:off x="4644007" y="1628800"/>
-          <a:ext cx="4603233" cy="5229200"/>
+          <a:off x="2627784" y="1628621"/>
+          <a:ext cx="6524565" cy="5229200"/>
         </p:xfrm>
         <a:graphic>
           <a:graphicData uri="http://schemas.openxmlformats.org/drawingml/2006/chart">

--- a/OppAffaire/Présentation orale/Présentation.pptx
+++ b/OppAffaire/Présentation orale/Présentation.pptx
@@ -183,7 +183,7 @@
       </p14:sectionLst>
     </p:ext>
     <p:ext uri="{EFAFB233-063F-42B5-8137-9DF3F51BA10A}">
-      <p15:sldGuideLst xmlns:p15="http://schemas.microsoft.com/office/powerpoint/2012/main">
+      <p15:sldGuideLst xmlns:p15="http://schemas.microsoft.com/office/powerpoint/2012/main" xmlns="">
         <p15:guide id="1" orient="horz" pos="2160">
           <p15:clr>
             <a:srgbClr val="A4A3A4"/>
@@ -197,7 +197,7 @@
       </p15:sldGuideLst>
     </p:ext>
     <p:ext uri="{2D200454-40CA-4A62-9FC3-DE9A4176ACB9}">
-      <p15:notesGuideLst xmlns:p15="http://schemas.microsoft.com/office/powerpoint/2012/main">
+      <p15:notesGuideLst xmlns:p15="http://schemas.microsoft.com/office/powerpoint/2012/main" xmlns="">
         <p15:guide id="1" orient="horz" pos="2880">
           <p15:clr>
             <a:srgbClr val="A4A3A4"/>
@@ -223,7 +223,7 @@
 </file>
 
 <file path=ppt/charts/chart1.xml><?xml version="1.0" encoding="utf-8"?>
-<c:chartSpace xmlns:c="http://schemas.openxmlformats.org/drawingml/2006/chart" xmlns:a="http://schemas.openxmlformats.org/drawingml/2006/main" xmlns:r="http://schemas.openxmlformats.org/officeDocument/2006/relationships" xmlns:c16r2="http://schemas.microsoft.com/office/drawing/2015/06/chart">
+<c:chartSpace xmlns:c="http://schemas.openxmlformats.org/drawingml/2006/chart" xmlns:a="http://schemas.openxmlformats.org/drawingml/2006/main" xmlns:r="http://schemas.openxmlformats.org/officeDocument/2006/relationships">
   <c:date1904 val="0"/>
   <c:lang val="fr-FR"/>
   <c:roundedCorners val="0"/>
@@ -320,7 +320,7 @@
               </c:numCache>
             </c:numRef>
           </c:val>
-          <c:extLst>
+          <c:extLst xmlns:c16r2="http://schemas.microsoft.com/office/drawing/2015/06/chart">
             <c:ext xmlns:c16="http://schemas.microsoft.com/office/drawing/2014/chart" uri="{C3380CC4-5D6E-409C-BE32-E72D297353CC}">
               <c16:uniqueId val="{00000000-1B65-4B3C-A6E0-F2CB8FC51967}"/>
             </c:ext>
@@ -402,7 +402,7 @@
               </c:numCache>
             </c:numRef>
           </c:val>
-          <c:extLst>
+          <c:extLst xmlns:c16r2="http://schemas.microsoft.com/office/drawing/2015/06/chart">
             <c:ext xmlns:c16="http://schemas.microsoft.com/office/drawing/2014/chart" uri="{C3380CC4-5D6E-409C-BE32-E72D297353CC}">
               <c16:uniqueId val="{00000001-1B65-4B3C-A6E0-F2CB8FC51967}"/>
             </c:ext>
@@ -482,7 +482,7 @@
               </c:numCache>
             </c:numRef>
           </c:val>
-          <c:extLst>
+          <c:extLst xmlns:c16r2="http://schemas.microsoft.com/office/drawing/2015/06/chart">
             <c:ext xmlns:c16="http://schemas.microsoft.com/office/drawing/2014/chart" uri="{C3380CC4-5D6E-409C-BE32-E72D297353CC}">
               <c16:uniqueId val="{00000002-1B65-4B3C-A6E0-F2CB8FC51967}"/>
             </c:ext>
@@ -496,11 +496,11 @@
           <c:showPercent val="0"/>
           <c:showBubbleSize val="0"/>
         </c:dLbls>
-        <c:axId val="135559808"/>
-        <c:axId val="135569792"/>
+        <c:axId val="142779520"/>
+        <c:axId val="142781056"/>
       </c:radarChart>
       <c:catAx>
-        <c:axId val="135559808"/>
+        <c:axId val="142779520"/>
         <c:scaling>
           <c:orientation val="minMax"/>
         </c:scaling>
@@ -511,7 +511,7 @@
         <c:majorTickMark val="out"/>
         <c:minorTickMark val="none"/>
         <c:tickLblPos val="nextTo"/>
-        <c:crossAx val="135569792"/>
+        <c:crossAx val="142781056"/>
         <c:crosses val="autoZero"/>
         <c:auto val="1"/>
         <c:lblAlgn val="ctr"/>
@@ -519,7 +519,7 @@
         <c:noMultiLvlLbl val="0"/>
       </c:catAx>
       <c:valAx>
-        <c:axId val="135569792"/>
+        <c:axId val="142781056"/>
         <c:scaling>
           <c:orientation val="minMax"/>
         </c:scaling>
@@ -530,7 +530,7 @@
         <c:majorTickMark val="cross"/>
         <c:minorTickMark val="none"/>
         <c:tickLblPos val="nextTo"/>
-        <c:crossAx val="135559808"/>
+        <c:crossAx val="142779520"/>
         <c:crosses val="autoZero"/>
         <c:crossBetween val="between"/>
       </c:valAx>
@@ -547,7 +547,7 @@
 </file>
 
 <file path=ppt/charts/chart2.xml><?xml version="1.0" encoding="utf-8"?>
-<c:chartSpace xmlns:c="http://schemas.openxmlformats.org/drawingml/2006/chart" xmlns:a="http://schemas.openxmlformats.org/drawingml/2006/main" xmlns:r="http://schemas.openxmlformats.org/officeDocument/2006/relationships" xmlns:c16r2="http://schemas.microsoft.com/office/drawing/2015/06/chart">
+<c:chartSpace xmlns:c="http://schemas.openxmlformats.org/drawingml/2006/chart" xmlns:a="http://schemas.openxmlformats.org/drawingml/2006/main" xmlns:r="http://schemas.openxmlformats.org/officeDocument/2006/relationships">
   <c:date1904 val="0"/>
   <c:lang val="fr-FR"/>
   <c:roundedCorners val="0"/>
@@ -644,7 +644,7 @@
               </c:numCache>
             </c:numRef>
           </c:val>
-          <c:extLst>
+          <c:extLst xmlns:c16r2="http://schemas.microsoft.com/office/drawing/2015/06/chart">
             <c:ext xmlns:c16="http://schemas.microsoft.com/office/drawing/2014/chart" uri="{C3380CC4-5D6E-409C-BE32-E72D297353CC}">
               <c16:uniqueId val="{00000000-5470-4E4D-AD0E-1FA8FCC23F4C}"/>
             </c:ext>
@@ -726,7 +726,7 @@
               </c:numCache>
             </c:numRef>
           </c:val>
-          <c:extLst>
+          <c:extLst xmlns:c16r2="http://schemas.microsoft.com/office/drawing/2015/06/chart">
             <c:ext xmlns:c16="http://schemas.microsoft.com/office/drawing/2014/chart" uri="{C3380CC4-5D6E-409C-BE32-E72D297353CC}">
               <c16:uniqueId val="{00000001-5470-4E4D-AD0E-1FA8FCC23F4C}"/>
             </c:ext>
@@ -783,7 +783,7 @@
               </c:numCache>
             </c:numRef>
           </c:val>
-          <c:extLst>
+          <c:extLst xmlns:c16r2="http://schemas.microsoft.com/office/drawing/2015/06/chart">
             <c:ext xmlns:c16="http://schemas.microsoft.com/office/drawing/2014/chart" uri="{C3380CC4-5D6E-409C-BE32-E72D297353CC}">
               <c16:uniqueId val="{00000002-5470-4E4D-AD0E-1FA8FCC23F4C}"/>
             </c:ext>
@@ -797,11 +797,11 @@
           <c:showPercent val="0"/>
           <c:showBubbleSize val="0"/>
         </c:dLbls>
-        <c:axId val="135330048"/>
-        <c:axId val="135540736"/>
+        <c:axId val="143072256"/>
+        <c:axId val="143098624"/>
       </c:radarChart>
       <c:catAx>
-        <c:axId val="135330048"/>
+        <c:axId val="143072256"/>
         <c:scaling>
           <c:orientation val="minMax"/>
         </c:scaling>
@@ -812,7 +812,7 @@
         <c:majorTickMark val="out"/>
         <c:minorTickMark val="none"/>
         <c:tickLblPos val="nextTo"/>
-        <c:crossAx val="135540736"/>
+        <c:crossAx val="143098624"/>
         <c:crosses val="autoZero"/>
         <c:auto val="1"/>
         <c:lblAlgn val="ctr"/>
@@ -820,7 +820,7 @@
         <c:noMultiLvlLbl val="0"/>
       </c:catAx>
       <c:valAx>
-        <c:axId val="135540736"/>
+        <c:axId val="143098624"/>
         <c:scaling>
           <c:orientation val="minMax"/>
         </c:scaling>
@@ -831,13 +831,14 @@
         <c:majorTickMark val="cross"/>
         <c:minorTickMark val="none"/>
         <c:tickLblPos val="nextTo"/>
-        <c:crossAx val="135330048"/>
+        <c:crossAx val="143072256"/>
         <c:crosses val="autoZero"/>
         <c:crossBetween val="between"/>
       </c:valAx>
     </c:plotArea>
     <c:legend>
       <c:legendPos val="r"/>
+      <c:layout/>
       <c:overlay val="0"/>
     </c:legend>
     <c:plotVisOnly val="1"/>
@@ -3151,9 +3152,10 @@
           <a:p>
             <a:pPr algn="ctr"/>
             <a:r>
-              <a:rPr lang="fr-FR" sz="3200" dirty="0"/>
-              <a:t>Communication</a:t>
-            </a:r>
+              <a:rPr lang="fr-FR" sz="3200" dirty="0" smtClean="0"/>
+              <a:t>Communication et vente</a:t>
+            </a:r>
+            <a:endParaRPr lang="fr-FR" sz="3200" dirty="0"/>
           </a:p>
         </p:txBody>
       </p:sp>
@@ -3234,8 +3236,48 @@
             </a:pPr>
             <a:r>
               <a:rPr lang="fr-FR" sz="2000" dirty="0"/>
-              <a:t>Retour des clients</a:t>
-            </a:r>
+              <a:t>Retour des </a:t>
+            </a:r>
+            <a:r>
+              <a:rPr lang="fr-FR" sz="2000" dirty="0" smtClean="0"/>
+              <a:t>clients</a:t>
+            </a:r>
+            <a:br>
+              <a:rPr lang="fr-FR" sz="2000" dirty="0" smtClean="0"/>
+            </a:br>
+            <a:endParaRPr lang="fr-FR" sz="2000" dirty="0" smtClean="0"/>
+          </a:p>
+          <a:p>
+            <a:pPr lvl="1">
+              <a:lnSpc>
+                <a:spcPct val="150000"/>
+              </a:lnSpc>
+            </a:pPr>
+            <a:r>
+              <a:rPr lang="fr-FR" sz="2000" dirty="0" smtClean="0"/>
+              <a:t>Vente et téléchargement</a:t>
+            </a:r>
+          </a:p>
+          <a:p>
+            <a:pPr lvl="1">
+              <a:lnSpc>
+                <a:spcPct val="150000"/>
+              </a:lnSpc>
+            </a:pPr>
+            <a:r>
+              <a:rPr lang="fr-FR" sz="2000" dirty="0" smtClean="0"/>
+              <a:t>Service client</a:t>
+            </a:r>
+            <a:endParaRPr lang="fr-FR" sz="2000" dirty="0"/>
+          </a:p>
+          <a:p>
+            <a:pPr marL="771525" lvl="1" indent="0">
+              <a:lnSpc>
+                <a:spcPct val="150000"/>
+              </a:lnSpc>
+              <a:buNone/>
+            </a:pPr>
+            <a:endParaRPr lang="fr-FR" sz="2000" dirty="0"/>
           </a:p>
           <a:p>
             <a:endParaRPr lang="fr-FR" dirty="0"/>
@@ -3457,14 +3499,14 @@
                 <a:gridCol w="1897623">
                   <a:extLst>
                     <a:ext uri="{9D8B030D-6E8A-4147-A177-3AD203B41FA5}">
-                      <a16:colId xmlns:a16="http://schemas.microsoft.com/office/drawing/2014/main" val="20000"/>
+                      <a16:colId xmlns:a16="http://schemas.microsoft.com/office/drawing/2014/main" xmlns="" val="20000"/>
                     </a:ext>
                   </a:extLst>
                 </a:gridCol>
                 <a:gridCol w="2134825">
                   <a:extLst>
                     <a:ext uri="{9D8B030D-6E8A-4147-A177-3AD203B41FA5}">
-                      <a16:colId xmlns:a16="http://schemas.microsoft.com/office/drawing/2014/main" val="20001"/>
+                      <a16:colId xmlns:a16="http://schemas.microsoft.com/office/drawing/2014/main" xmlns="" val="20001"/>
                     </a:ext>
                   </a:extLst>
                 </a:gridCol>
@@ -3503,7 +3545,7 @@
                 </a:tc>
                 <a:extLst>
                   <a:ext uri="{0D108BD9-81ED-4DB2-BD59-A6C34878D82A}">
-                    <a16:rowId xmlns:a16="http://schemas.microsoft.com/office/drawing/2014/main" val="10000"/>
+                    <a16:rowId xmlns:a16="http://schemas.microsoft.com/office/drawing/2014/main" xmlns="" val="10000"/>
                   </a:ext>
                 </a:extLst>
               </a:tr>
@@ -3537,7 +3579,7 @@
                 </a:tc>
                 <a:extLst>
                   <a:ext uri="{0D108BD9-81ED-4DB2-BD59-A6C34878D82A}">
-                    <a16:rowId xmlns:a16="http://schemas.microsoft.com/office/drawing/2014/main" val="10001"/>
+                    <a16:rowId xmlns:a16="http://schemas.microsoft.com/office/drawing/2014/main" xmlns="" val="10001"/>
                   </a:ext>
                 </a:extLst>
               </a:tr>
@@ -3572,7 +3614,7 @@
                 </a:tc>
                 <a:extLst>
                   <a:ext uri="{0D108BD9-81ED-4DB2-BD59-A6C34878D82A}">
-                    <a16:rowId xmlns:a16="http://schemas.microsoft.com/office/drawing/2014/main" val="10002"/>
+                    <a16:rowId xmlns:a16="http://schemas.microsoft.com/office/drawing/2014/main" xmlns="" val="10002"/>
                   </a:ext>
                 </a:extLst>
               </a:tr>
@@ -3606,7 +3648,7 @@
                 </a:tc>
                 <a:extLst>
                   <a:ext uri="{0D108BD9-81ED-4DB2-BD59-A6C34878D82A}">
-                    <a16:rowId xmlns:a16="http://schemas.microsoft.com/office/drawing/2014/main" val="10003"/>
+                    <a16:rowId xmlns:a16="http://schemas.microsoft.com/office/drawing/2014/main" xmlns="" val="10003"/>
                   </a:ext>
                 </a:extLst>
               </a:tr>

--- a/OppAffaire/Présentation orale/Présentation.pptx
+++ b/OppAffaire/Présentation orale/Présentation.pptx
@@ -183,7 +183,7 @@
       </p14:sectionLst>
     </p:ext>
     <p:ext uri="{EFAFB233-063F-42B5-8137-9DF3F51BA10A}">
-      <p15:sldGuideLst xmlns:p15="http://schemas.microsoft.com/office/powerpoint/2012/main" xmlns="">
+      <p15:sldGuideLst xmlns="" xmlns:p15="http://schemas.microsoft.com/office/powerpoint/2012/main">
         <p15:guide id="1" orient="horz" pos="2160">
           <p15:clr>
             <a:srgbClr val="A4A3A4"/>
@@ -197,7 +197,7 @@
       </p15:sldGuideLst>
     </p:ext>
     <p:ext uri="{2D200454-40CA-4A62-9FC3-DE9A4176ACB9}">
-      <p15:notesGuideLst xmlns:p15="http://schemas.microsoft.com/office/powerpoint/2012/main" xmlns="">
+      <p15:notesGuideLst xmlns="" xmlns:p15="http://schemas.microsoft.com/office/powerpoint/2012/main">
         <p15:guide id="1" orient="horz" pos="2880">
           <p15:clr>
             <a:srgbClr val="A4A3A4"/>
@@ -496,11 +496,11 @@
           <c:showPercent val="0"/>
           <c:showBubbleSize val="0"/>
         </c:dLbls>
-        <c:axId val="142779520"/>
-        <c:axId val="142781056"/>
+        <c:axId val="80400384"/>
+        <c:axId val="80401920"/>
       </c:radarChart>
       <c:catAx>
-        <c:axId val="142779520"/>
+        <c:axId val="80400384"/>
         <c:scaling>
           <c:orientation val="minMax"/>
         </c:scaling>
@@ -511,7 +511,7 @@
         <c:majorTickMark val="out"/>
         <c:minorTickMark val="none"/>
         <c:tickLblPos val="nextTo"/>
-        <c:crossAx val="142781056"/>
+        <c:crossAx val="80401920"/>
         <c:crosses val="autoZero"/>
         <c:auto val="1"/>
         <c:lblAlgn val="ctr"/>
@@ -519,7 +519,7 @@
         <c:noMultiLvlLbl val="0"/>
       </c:catAx>
       <c:valAx>
-        <c:axId val="142781056"/>
+        <c:axId val="80401920"/>
         <c:scaling>
           <c:orientation val="minMax"/>
         </c:scaling>
@@ -530,7 +530,7 @@
         <c:majorTickMark val="cross"/>
         <c:minorTickMark val="none"/>
         <c:tickLblPos val="nextTo"/>
-        <c:crossAx val="142779520"/>
+        <c:crossAx val="80400384"/>
         <c:crosses val="autoZero"/>
         <c:crossBetween val="between"/>
       </c:valAx>
@@ -797,11 +797,11 @@
           <c:showPercent val="0"/>
           <c:showBubbleSize val="0"/>
         </c:dLbls>
-        <c:axId val="143072256"/>
-        <c:axId val="143098624"/>
+        <c:axId val="83464192"/>
+        <c:axId val="83465728"/>
       </c:radarChart>
       <c:catAx>
-        <c:axId val="143072256"/>
+        <c:axId val="83464192"/>
         <c:scaling>
           <c:orientation val="minMax"/>
         </c:scaling>
@@ -812,7 +812,7 @@
         <c:majorTickMark val="out"/>
         <c:minorTickMark val="none"/>
         <c:tickLblPos val="nextTo"/>
-        <c:crossAx val="143098624"/>
+        <c:crossAx val="83465728"/>
         <c:crosses val="autoZero"/>
         <c:auto val="1"/>
         <c:lblAlgn val="ctr"/>
@@ -820,7 +820,7 @@
         <c:noMultiLvlLbl val="0"/>
       </c:catAx>
       <c:valAx>
-        <c:axId val="143098624"/>
+        <c:axId val="83465728"/>
         <c:scaling>
           <c:orientation val="minMax"/>
         </c:scaling>
@@ -831,7 +831,7 @@
         <c:majorTickMark val="cross"/>
         <c:minorTickMark val="none"/>
         <c:tickLblPos val="nextTo"/>
-        <c:crossAx val="143072256"/>
+        <c:crossAx val="83464192"/>
         <c:crosses val="autoZero"/>
         <c:crossBetween val="between"/>
       </c:valAx>
@@ -1040,7 +1040,7 @@
           <a:p>
             <a:fld id="{7389528D-4B2C-442D-95AF-6F2718DDDDAD}" type="datetimeFigureOut">
               <a:rPr lang="fr-FR" smtClean="0"/>
-              <a:t>16/05/2016</a:t>
+              <a:t>17/05/2016</a:t>
             </a:fld>
             <a:endParaRPr lang="fr-FR"/>
           </a:p>
@@ -1231,7 +1231,7 @@
               <a:pPr>
                 <a:defRPr/>
               </a:pPr>
-              <a:t>16/05/2016</a:t>
+              <a:t>17/05/2016</a:t>
             </a:fld>
             <a:endParaRPr lang="fr-FR"/>
           </a:p>
@@ -1553,6 +1553,122 @@
     </a:lvl9pPr>
   </p:notesStyle>
 </p:notesMaster>
+</file>
+
+<file path=ppt/notesSlides/notesSlide1.xml><?xml version="1.0" encoding="utf-8"?>
+<p:notes xmlns:a="http://schemas.openxmlformats.org/drawingml/2006/main" xmlns:r="http://schemas.openxmlformats.org/officeDocument/2006/relationships" xmlns:p="http://schemas.openxmlformats.org/presentationml/2006/main">
+  <p:cSld>
+    <p:spTree>
+      <p:nvGrpSpPr>
+        <p:cNvPr id="1" name=""/>
+        <p:cNvGrpSpPr/>
+        <p:nvPr/>
+      </p:nvGrpSpPr>
+      <p:grpSpPr>
+        <a:xfrm>
+          <a:off x="0" y="0"/>
+          <a:ext cx="0" cy="0"/>
+          <a:chOff x="0" y="0"/>
+          <a:chExt cx="0" cy="0"/>
+        </a:xfrm>
+      </p:grpSpPr>
+      <p:sp>
+        <p:nvSpPr>
+          <p:cNvPr id="2" name="Espace réservé de l'image des diapositives 1"/>
+          <p:cNvSpPr>
+            <a:spLocks noGrp="1" noRot="1" noChangeAspect="1"/>
+          </p:cNvSpPr>
+          <p:nvPr>
+            <p:ph type="sldImg"/>
+          </p:nvPr>
+        </p:nvSpPr>
+        <p:spPr/>
+      </p:sp>
+      <p:sp>
+        <p:nvSpPr>
+          <p:cNvPr id="3" name="Espace réservé des commentaires 2"/>
+          <p:cNvSpPr>
+            <a:spLocks noGrp="1"/>
+          </p:cNvSpPr>
+          <p:nvPr>
+            <p:ph type="body" idx="1"/>
+          </p:nvPr>
+        </p:nvSpPr>
+        <p:spPr/>
+        <p:txBody>
+          <a:bodyPr/>
+          <a:lstStyle/>
+          <a:p>
+            <a:r>
+              <a:rPr lang="fr-FR" dirty="0" smtClean="0"/>
+              <a:t>CA : 300K€</a:t>
+            </a:r>
+            <a:endParaRPr lang="fr-FR" dirty="0"/>
+          </a:p>
+        </p:txBody>
+      </p:sp>
+      <p:sp>
+        <p:nvSpPr>
+          <p:cNvPr id="4" name="Espace réservé du pied de page 3"/>
+          <p:cNvSpPr>
+            <a:spLocks noGrp="1"/>
+          </p:cNvSpPr>
+          <p:nvPr>
+            <p:ph type="ftr" sz="quarter" idx="10"/>
+          </p:nvPr>
+        </p:nvSpPr>
+        <p:spPr/>
+        <p:txBody>
+          <a:bodyPr/>
+          <a:lstStyle/>
+          <a:p>
+            <a:pPr>
+              <a:defRPr/>
+            </a:pPr>
+            <a:endParaRPr lang="fr-FR"/>
+          </a:p>
+        </p:txBody>
+      </p:sp>
+      <p:sp>
+        <p:nvSpPr>
+          <p:cNvPr id="5" name="Espace réservé du numéro de diapositive 4"/>
+          <p:cNvSpPr>
+            <a:spLocks noGrp="1"/>
+          </p:cNvSpPr>
+          <p:nvPr>
+            <p:ph type="sldNum" sz="quarter" idx="11"/>
+          </p:nvPr>
+        </p:nvSpPr>
+        <p:spPr/>
+        <p:txBody>
+          <a:bodyPr/>
+          <a:lstStyle/>
+          <a:p>
+            <a:pPr>
+              <a:defRPr/>
+            </a:pPr>
+            <a:fld id="{9C7B7085-7BE2-4F8C-95F4-4AA02605F200}" type="slidenum">
+              <a:rPr lang="fr-FR" smtClean="0"/>
+              <a:pPr>
+                <a:defRPr/>
+              </a:pPr>
+              <a:t>16</a:t>
+            </a:fld>
+            <a:endParaRPr lang="fr-FR"/>
+          </a:p>
+        </p:txBody>
+      </p:sp>
+    </p:spTree>
+    <p:extLst>
+      <p:ext uri="{BB962C8B-B14F-4D97-AF65-F5344CB8AC3E}">
+        <p14:creationId xmlns:p14="http://schemas.microsoft.com/office/powerpoint/2010/main" val="2028296992"/>
+      </p:ext>
+    </p:extLst>
+  </p:cSld>
+  <p:clrMapOvr>
+    <a:masterClrMapping/>
+  </p:clrMapOvr>
+</p:notes>
 </file>
 
 <file path=ppt/slideLayouts/slideLayout1.xml><?xml version="1.0" encoding="utf-8"?>
@@ -2787,6 +2903,13 @@
   <p:clrMapOvr>
     <a:masterClrMapping/>
   </p:clrMapOvr>
+  <p:timing>
+    <p:tnLst>
+      <p:par>
+        <p:cTn id="1" dur="indefinite" restart="never" nodeType="tmRoot"/>
+      </p:par>
+    </p:tnLst>
+  </p:timing>
 </p:sld>
 </file>
 
@@ -3091,6 +3214,13 @@
   <p:clrMapOvr>
     <a:masterClrMapping/>
   </p:clrMapOvr>
+  <p:timing>
+    <p:tnLst>
+      <p:par>
+        <p:cTn id="1" dur="indefinite" restart="never" nodeType="tmRoot"/>
+      </p:par>
+    </p:tnLst>
+  </p:timing>
 </p:sld>
 </file>
 
@@ -3153,7 +3283,7 @@
             <a:pPr algn="ctr"/>
             <a:r>
               <a:rPr lang="fr-FR" sz="3200" dirty="0" smtClean="0"/>
-              <a:t>Communication et vente</a:t>
+              <a:t>Service proposé</a:t>
             </a:r>
             <a:endParaRPr lang="fr-FR" sz="3200" dirty="0"/>
           </a:p>
@@ -3180,8 +3310,12 @@
               </a:lnSpc>
             </a:pPr>
             <a:r>
+              <a:rPr lang="fr-FR" sz="2400" dirty="0" smtClean="0"/>
+              <a:t>Site </a:t>
+            </a:r>
+            <a:r>
               <a:rPr lang="fr-FR" sz="2400" dirty="0"/>
-              <a:t>Site internet :</a:t>
+              <a:t>internet :</a:t>
             </a:r>
           </a:p>
           <a:p>
@@ -3191,8 +3325,12 @@
               </a:lnSpc>
             </a:pPr>
             <a:r>
+              <a:rPr lang="fr-FR" sz="2000" dirty="0" smtClean="0"/>
+              <a:t>Service </a:t>
+            </a:r>
+            <a:r>
               <a:rPr lang="fr-FR" sz="2000" dirty="0"/>
-              <a:t>Exemples</a:t>
+              <a:t>client</a:t>
             </a:r>
           </a:p>
           <a:p>
@@ -3202,9 +3340,10 @@
               </a:lnSpc>
             </a:pPr>
             <a:r>
-              <a:rPr lang="fr-FR" sz="2000" dirty="0"/>
-              <a:t>Témoignages</a:t>
-            </a:r>
+              <a:rPr lang="fr-FR" sz="2000" dirty="0" smtClean="0"/>
+              <a:t>Exemples</a:t>
+            </a:r>
+            <a:endParaRPr lang="fr-FR" sz="2000" dirty="0"/>
           </a:p>
           <a:p>
             <a:pPr lvl="1">
@@ -3213,8 +3352,8 @@
               </a:lnSpc>
             </a:pPr>
             <a:r>
-              <a:rPr lang="fr-FR" sz="2000" dirty="0"/>
-              <a:t>Version de démonstration</a:t>
+              <a:rPr lang="fr-FR" sz="2000" dirty="0" smtClean="0"/>
+              <a:t>Témoignages </a:t>
             </a:r>
           </a:p>
           <a:p>
@@ -3224,8 +3363,12 @@
               </a:lnSpc>
             </a:pPr>
             <a:r>
+              <a:rPr lang="fr-FR" sz="2000" dirty="0" smtClean="0"/>
+              <a:t>Version </a:t>
+            </a:r>
+            <a:r>
               <a:rPr lang="fr-FR" sz="2000" dirty="0"/>
-              <a:t>Forum</a:t>
+              <a:t>de démonstration</a:t>
             </a:r>
           </a:p>
           <a:p>
@@ -3236,16 +3379,8 @@
             </a:pPr>
             <a:r>
               <a:rPr lang="fr-FR" sz="2000" dirty="0"/>
-              <a:t>Retour des </a:t>
-            </a:r>
-            <a:r>
-              <a:rPr lang="fr-FR" sz="2000" dirty="0" smtClean="0"/>
-              <a:t>clients</a:t>
-            </a:r>
-            <a:br>
-              <a:rPr lang="fr-FR" sz="2000" dirty="0" smtClean="0"/>
-            </a:br>
-            <a:endParaRPr lang="fr-FR" sz="2000" dirty="0" smtClean="0"/>
+              <a:t>Forum</a:t>
+            </a:r>
           </a:p>
           <a:p>
             <a:pPr lvl="1">
@@ -3255,7 +3390,15 @@
             </a:pPr>
             <a:r>
               <a:rPr lang="fr-FR" sz="2000" dirty="0" smtClean="0"/>
-              <a:t>Vente et téléchargement</a:t>
+              <a:t>Vente </a:t>
+            </a:r>
+            <a:r>
+              <a:rPr lang="fr-FR" sz="2000" dirty="0"/>
+              <a:t>et </a:t>
+            </a:r>
+            <a:r>
+              <a:rPr lang="fr-FR" sz="2000" dirty="0" smtClean="0"/>
+              <a:t>téléchargement</a:t>
             </a:r>
           </a:p>
           <a:p>
@@ -3264,11 +3407,30 @@
                 <a:spcPct val="150000"/>
               </a:lnSpc>
             </a:pPr>
-            <a:r>
-              <a:rPr lang="fr-FR" sz="2000" dirty="0" smtClean="0"/>
-              <a:t>Service client</a:t>
-            </a:r>
-            <a:endParaRPr lang="fr-FR" sz="2000" dirty="0"/>
+            <a:endParaRPr lang="fr-FR" sz="2000" dirty="0" smtClean="0"/>
+          </a:p>
+          <a:p>
+            <a:pPr>
+              <a:lnSpc>
+                <a:spcPct val="150000"/>
+              </a:lnSpc>
+            </a:pPr>
+            <a:r>
+              <a:rPr lang="fr-FR" sz="2200" dirty="0" smtClean="0"/>
+              <a:t>Logiciel </a:t>
+            </a:r>
+            <a:r>
+              <a:rPr lang="fr-FR" sz="2200" dirty="0"/>
+              <a:t>à licence annuelle</a:t>
+            </a:r>
+          </a:p>
+          <a:p>
+            <a:pPr>
+              <a:lnSpc>
+                <a:spcPct val="150000"/>
+              </a:lnSpc>
+            </a:pPr>
+            <a:endParaRPr lang="fr-FR" sz="2200" dirty="0" smtClean="0"/>
           </a:p>
           <a:p>
             <a:pPr marL="771525" lvl="1" indent="0">
@@ -3284,6 +3446,47 @@
           </a:p>
         </p:txBody>
       </p:sp>
+      <p:pic>
+        <p:nvPicPr>
+          <p:cNvPr id="1026" name="Picture 2" descr="C:\Users\Phil\Downloads\53424.png"/>
+          <p:cNvPicPr>
+            <a:picLocks noChangeAspect="1" noChangeArrowheads="1"/>
+          </p:cNvPicPr>
+          <p:nvPr/>
+        </p:nvPicPr>
+        <p:blipFill>
+          <a:blip r:embed="rId2" cstate="print">
+            <a:extLst>
+              <a:ext uri="{28A0092B-C50C-407E-A947-70E740481C1C}">
+                <a14:useLocalDpi xmlns:a14="http://schemas.microsoft.com/office/drawing/2010/main" val="0"/>
+              </a:ext>
+            </a:extLst>
+          </a:blip>
+          <a:srcRect/>
+          <a:stretch>
+            <a:fillRect/>
+          </a:stretch>
+        </p:blipFill>
+        <p:spPr bwMode="auto">
+          <a:xfrm>
+            <a:off x="6058659" y="2420888"/>
+            <a:ext cx="2507941" cy="2006352"/>
+          </a:xfrm>
+          <a:prstGeom prst="rect">
+            <a:avLst/>
+          </a:prstGeom>
+          <a:noFill/>
+          <a:extLst>
+            <a:ext uri="{909E8E84-426E-40DD-AFC4-6F175D3DCCD1}">
+              <a14:hiddenFill xmlns:a14="http://schemas.microsoft.com/office/drawing/2010/main">
+                <a:solidFill>
+                  <a:srgbClr val="FFFFFF"/>
+                </a:solidFill>
+              </a14:hiddenFill>
+            </a:ext>
+          </a:extLst>
+        </p:spPr>
+      </p:pic>
     </p:spTree>
     <p:extLst>
       <p:ext uri="{BB962C8B-B14F-4D97-AF65-F5344CB8AC3E}">
@@ -3294,6 +3497,13 @@
   <p:clrMapOvr>
     <a:masterClrMapping/>
   </p:clrMapOvr>
+  <p:timing>
+    <p:tnLst>
+      <p:par>
+        <p:cTn id="1" dur="indefinite" restart="never" nodeType="tmRoot"/>
+      </p:par>
+    </p:tnLst>
+  </p:timing>
 </p:sld>
 </file>
 
@@ -3499,14 +3709,14 @@
                 <a:gridCol w="1897623">
                   <a:extLst>
                     <a:ext uri="{9D8B030D-6E8A-4147-A177-3AD203B41FA5}">
-                      <a16:colId xmlns:a16="http://schemas.microsoft.com/office/drawing/2014/main" xmlns="" val="20000"/>
+                      <a16:colId xmlns="" xmlns:a16="http://schemas.microsoft.com/office/drawing/2014/main" val="20000"/>
                     </a:ext>
                   </a:extLst>
                 </a:gridCol>
                 <a:gridCol w="2134825">
                   <a:extLst>
                     <a:ext uri="{9D8B030D-6E8A-4147-A177-3AD203B41FA5}">
-                      <a16:colId xmlns:a16="http://schemas.microsoft.com/office/drawing/2014/main" xmlns="" val="20001"/>
+                      <a16:colId xmlns="" xmlns:a16="http://schemas.microsoft.com/office/drawing/2014/main" val="20001"/>
                     </a:ext>
                   </a:extLst>
                 </a:gridCol>
@@ -3545,7 +3755,7 @@
                 </a:tc>
                 <a:extLst>
                   <a:ext uri="{0D108BD9-81ED-4DB2-BD59-A6C34878D82A}">
-                    <a16:rowId xmlns:a16="http://schemas.microsoft.com/office/drawing/2014/main" xmlns="" val="10000"/>
+                    <a16:rowId xmlns="" xmlns:a16="http://schemas.microsoft.com/office/drawing/2014/main" val="10000"/>
                   </a:ext>
                 </a:extLst>
               </a:tr>
@@ -3579,7 +3789,7 @@
                 </a:tc>
                 <a:extLst>
                   <a:ext uri="{0D108BD9-81ED-4DB2-BD59-A6C34878D82A}">
-                    <a16:rowId xmlns:a16="http://schemas.microsoft.com/office/drawing/2014/main" xmlns="" val="10001"/>
+                    <a16:rowId xmlns="" xmlns:a16="http://schemas.microsoft.com/office/drawing/2014/main" val="10001"/>
                   </a:ext>
                 </a:extLst>
               </a:tr>
@@ -3614,7 +3824,7 @@
                 </a:tc>
                 <a:extLst>
                   <a:ext uri="{0D108BD9-81ED-4DB2-BD59-A6C34878D82A}">
-                    <a16:rowId xmlns:a16="http://schemas.microsoft.com/office/drawing/2014/main" xmlns="" val="10002"/>
+                    <a16:rowId xmlns="" xmlns:a16="http://schemas.microsoft.com/office/drawing/2014/main" val="10002"/>
                   </a:ext>
                 </a:extLst>
               </a:tr>
@@ -3648,7 +3858,7 @@
                 </a:tc>
                 <a:extLst>
                   <a:ext uri="{0D108BD9-81ED-4DB2-BD59-A6C34878D82A}">
-                    <a16:rowId xmlns:a16="http://schemas.microsoft.com/office/drawing/2014/main" xmlns="" val="10003"/>
+                    <a16:rowId xmlns="" xmlns:a16="http://schemas.microsoft.com/office/drawing/2014/main" val="10003"/>
                   </a:ext>
                 </a:extLst>
               </a:tr>
@@ -3666,6 +3876,13 @@
   <p:clrMapOvr>
     <a:masterClrMapping/>
   </p:clrMapOvr>
+  <p:timing>
+    <p:tnLst>
+      <p:par>
+        <p:cTn id="1" dur="indefinite" restart="never" nodeType="tmRoot"/>
+      </p:par>
+    </p:tnLst>
+  </p:timing>
 </p:sld>
 </file>
 
@@ -3737,8 +3954,9 @@
           <a:bodyPr/>
           <a:lstStyle/>
           <a:p>
-            <a:r>
-              <a:rPr lang="fr-FR" sz="2800" dirty="0"/>
+            <a:pPr algn="ctr"/>
+            <a:r>
+              <a:rPr lang="fr-FR" sz="3200" dirty="0"/>
               <a:t>Développement</a:t>
             </a:r>
           </a:p>
@@ -4111,6 +4329,13 @@
   <p:clrMapOvr>
     <a:masterClrMapping/>
   </p:clrMapOvr>
+  <p:timing>
+    <p:tnLst>
+      <p:par>
+        <p:cTn id="1" dur="indefinite" restart="never" nodeType="tmRoot"/>
+      </p:par>
+    </p:tnLst>
+  </p:timing>
 </p:sld>
 </file>
 
@@ -4182,8 +4407,9 @@
           <a:bodyPr/>
           <a:lstStyle/>
           <a:p>
-            <a:r>
-              <a:rPr lang="fr-FR" sz="2800" dirty="0"/>
+            <a:pPr algn="ctr"/>
+            <a:r>
+              <a:rPr lang="fr-FR" sz="3200" dirty="0"/>
               <a:t>Développement</a:t>
             </a:r>
           </a:p>
@@ -4213,15 +4439,40 @@
               <a:rPr lang="fr-FR" sz="2000" u="sng" dirty="0">
                 <a:sym typeface="Wingdings" panose="05000000000000000000" pitchFamily="2" charset="2"/>
               </a:rPr>
-              <a:t>Première année:</a:t>
-            </a:r>
-          </a:p>
-          <a:p>
+              <a:t>Première année</a:t>
+            </a:r>
+            <a:r>
+              <a:rPr lang="fr-FR" sz="2000" u="sng" dirty="0" smtClean="0">
+                <a:sym typeface="Wingdings" panose="05000000000000000000" pitchFamily="2" charset="2"/>
+              </a:rPr>
+              <a:t>:</a:t>
+            </a:r>
+          </a:p>
+          <a:p>
+            <a:endParaRPr lang="fr-FR" sz="2000" u="sng" dirty="0">
+              <a:sym typeface="Wingdings" panose="05000000000000000000" pitchFamily="2" charset="2"/>
+            </a:endParaRPr>
+          </a:p>
+          <a:p>
+            <a:pPr marL="0" indent="0">
+              <a:buNone/>
+            </a:pPr>
+            <a:r>
+              <a:rPr lang="fr-FR" sz="2000" dirty="0" smtClean="0">
+                <a:sym typeface="Wingdings" panose="05000000000000000000" pitchFamily="2" charset="2"/>
+              </a:rPr>
+              <a:t>Besoin financier : 12000€</a:t>
+            </a:r>
             <a:endParaRPr lang="fr-FR" sz="2000" dirty="0">
               <a:sym typeface="Wingdings" panose="05000000000000000000" pitchFamily="2" charset="2"/>
             </a:endParaRPr>
           </a:p>
           <a:p>
+            <a:endParaRPr lang="fr-FR" sz="2000" dirty="0">
+              <a:sym typeface="Wingdings" panose="05000000000000000000" pitchFamily="2" charset="2"/>
+            </a:endParaRPr>
+          </a:p>
+          <a:p>
             <a:pPr marL="0" indent="0">
               <a:buNone/>
             </a:pPr>
@@ -4229,7 +4480,19 @@
               <a:rPr lang="fr-FR" sz="2000" dirty="0">
                 <a:sym typeface="Wingdings" panose="05000000000000000000" pitchFamily="2" charset="2"/>
               </a:rPr>
-              <a:t>Développement du logiciel FarView ( microscopie STORM)</a:t>
+              <a:t>Développement du logiciel FarView </a:t>
+            </a:r>
+            <a:r>
+              <a:rPr lang="fr-FR" sz="2000" dirty="0" smtClean="0">
+                <a:sym typeface="Wingdings" panose="05000000000000000000" pitchFamily="2" charset="2"/>
+              </a:rPr>
+              <a:t>(microscopie </a:t>
+            </a:r>
+            <a:r>
+              <a:rPr lang="fr-FR" sz="2000" dirty="0">
+                <a:sym typeface="Wingdings" panose="05000000000000000000" pitchFamily="2" charset="2"/>
+              </a:rPr>
+              <a:t>STORM)</a:t>
             </a:r>
           </a:p>
           <a:p>
@@ -4332,6 +4595,62 @@
           <a:p>
             <a:endParaRPr lang="fr-FR" sz="2000" dirty="0">
               <a:sym typeface="Wingdings" panose="05000000000000000000" pitchFamily="2" charset="2"/>
+            </a:endParaRPr>
+          </a:p>
+        </p:txBody>
+      </p:sp>
+      <p:sp>
+        <p:nvSpPr>
+          <p:cNvPr id="5" name="ZoneTexte 4"/>
+          <p:cNvSpPr txBox="1"/>
+          <p:nvPr/>
+        </p:nvSpPr>
+        <p:spPr>
+          <a:xfrm>
+            <a:off x="1619672" y="5023314"/>
+            <a:ext cx="4492320" cy="400110"/>
+          </a:xfrm>
+          <a:prstGeom prst="rect">
+            <a:avLst/>
+          </a:prstGeom>
+          <a:noFill/>
+        </p:spPr>
+        <p:txBody>
+          <a:bodyPr wrap="none" rtlCol="0">
+            <a:spAutoFit/>
+          </a:bodyPr>
+          <a:lstStyle/>
+          <a:p>
+            <a:r>
+              <a:rPr lang="fr-FR" sz="2000" dirty="0" smtClean="0">
+                <a:solidFill>
+                  <a:schemeClr val="tx1">
+                    <a:lumMod val="75000"/>
+                    <a:lumOff val="25000"/>
+                  </a:schemeClr>
+                </a:solidFill>
+              </a:rPr>
+              <a:t>3 ventes </a:t>
+            </a:r>
+            <a:r>
+              <a:rPr lang="fr-FR" sz="2000" dirty="0" smtClean="0">
+                <a:solidFill>
+                  <a:schemeClr val="tx1">
+                    <a:lumMod val="75000"/>
+                    <a:lumOff val="25000"/>
+                  </a:schemeClr>
+                </a:solidFill>
+                <a:sym typeface="Wingdings" panose="05000000000000000000" pitchFamily="2" charset="2"/>
+              </a:rPr>
+              <a:t> Chiffre d’affaire : 30 000€</a:t>
+            </a:r>
+            <a:endParaRPr lang="fr-FR" sz="2000" dirty="0">
+              <a:solidFill>
+                <a:schemeClr val="tx1">
+                  <a:lumMod val="75000"/>
+                  <a:lumOff val="25000"/>
+                </a:schemeClr>
+              </a:solidFill>
             </a:endParaRPr>
           </a:p>
         </p:txBody>
@@ -4346,6 +4665,13 @@
   <p:clrMapOvr>
     <a:masterClrMapping/>
   </p:clrMapOvr>
+  <p:timing>
+    <p:tnLst>
+      <p:par>
+        <p:cTn id="1" dur="indefinite" restart="never" nodeType="tmRoot"/>
+      </p:par>
+    </p:tnLst>
+  </p:timing>
 </p:sld>
 </file>
 
@@ -4581,6 +4907,62 @@
           </a:p>
         </p:txBody>
       </p:sp>
+      <p:sp>
+        <p:nvSpPr>
+          <p:cNvPr id="5" name="ZoneTexte 4"/>
+          <p:cNvSpPr txBox="1"/>
+          <p:nvPr/>
+        </p:nvSpPr>
+        <p:spPr>
+          <a:xfrm>
+            <a:off x="971600" y="4941168"/>
+            <a:ext cx="8139151" cy="400110"/>
+          </a:xfrm>
+          <a:prstGeom prst="rect">
+            <a:avLst/>
+          </a:prstGeom>
+          <a:noFill/>
+        </p:spPr>
+        <p:txBody>
+          <a:bodyPr wrap="none" rtlCol="0">
+            <a:spAutoFit/>
+          </a:bodyPr>
+          <a:lstStyle/>
+          <a:p>
+            <a:r>
+              <a:rPr lang="fr-FR" sz="2000" dirty="0" smtClean="0">
+                <a:solidFill>
+                  <a:schemeClr val="tx1">
+                    <a:lumMod val="75000"/>
+                    <a:lumOff val="25000"/>
+                  </a:schemeClr>
+                </a:solidFill>
+              </a:rPr>
+              <a:t>~15 ventes + renouvellement licences </a:t>
+            </a:r>
+            <a:r>
+              <a:rPr lang="fr-FR" sz="2000" dirty="0" smtClean="0">
+                <a:solidFill>
+                  <a:schemeClr val="tx1">
+                    <a:lumMod val="75000"/>
+                    <a:lumOff val="25000"/>
+                  </a:schemeClr>
+                </a:solidFill>
+                <a:sym typeface="Wingdings" panose="05000000000000000000" pitchFamily="2" charset="2"/>
+              </a:rPr>
+              <a:t> Chiffre d’affaire = ~160 000€</a:t>
+            </a:r>
+            <a:endParaRPr lang="fr-FR" sz="2000" dirty="0">
+              <a:solidFill>
+                <a:schemeClr val="tx1">
+                  <a:lumMod val="75000"/>
+                  <a:lumOff val="25000"/>
+                </a:schemeClr>
+              </a:solidFill>
+            </a:endParaRPr>
+          </a:p>
+        </p:txBody>
+      </p:sp>
     </p:spTree>
     <p:extLst>
       <p:ext uri="{BB962C8B-B14F-4D97-AF65-F5344CB8AC3E}">
@@ -4591,6 +4973,13 @@
   <p:clrMapOvr>
     <a:masterClrMapping/>
   </p:clrMapOvr>
+  <p:timing>
+    <p:tnLst>
+      <p:par>
+        <p:cTn id="1" dur="indefinite" restart="never" nodeType="tmRoot"/>
+      </p:par>
+    </p:tnLst>
+  </p:timing>
 </p:sld>
 </file>
 
@@ -4662,8 +5051,9 @@
           <a:bodyPr/>
           <a:lstStyle/>
           <a:p>
-            <a:r>
-              <a:rPr lang="fr-FR" sz="2800" dirty="0"/>
+            <a:pPr algn="ctr"/>
+            <a:r>
+              <a:rPr lang="fr-FR" sz="3200" dirty="0"/>
               <a:t>Développement</a:t>
             </a:r>
           </a:p>
@@ -4712,21 +5102,30 @@
               <a:buNone/>
             </a:pPr>
             <a:r>
+              <a:rPr lang="fr-FR" sz="2000" dirty="0" smtClean="0">
+                <a:sym typeface="Wingdings" panose="05000000000000000000" pitchFamily="2" charset="2"/>
+              </a:rPr>
+              <a:t>Nouvelles fonctionnalités pour</a:t>
+            </a:r>
+            <a:endParaRPr lang="fr-FR" sz="2000" dirty="0">
+              <a:sym typeface="Wingdings" panose="05000000000000000000" pitchFamily="2" charset="2"/>
+            </a:endParaRPr>
+          </a:p>
+          <a:p>
+            <a:pPr marL="0" indent="0">
+              <a:buNone/>
+            </a:pPr>
+            <a:r>
+              <a:rPr lang="fr-FR" sz="2000" dirty="0" smtClean="0">
+                <a:sym typeface="Wingdings" panose="05000000000000000000" pitchFamily="2" charset="2"/>
+              </a:rPr>
+              <a:t>Etudes </a:t>
+            </a:r>
+            <a:r>
               <a:rPr lang="fr-FR" sz="2000" dirty="0">
                 <a:sym typeface="Wingdings" panose="05000000000000000000" pitchFamily="2" charset="2"/>
               </a:rPr>
-              <a:t>Développement de nouveaux logiciels</a:t>
-            </a:r>
-          </a:p>
-          <a:p>
-            <a:pPr marL="0" indent="0">
-              <a:buNone/>
-            </a:pPr>
-            <a:r>
-              <a:rPr lang="fr-FR" sz="2000" dirty="0">
-                <a:sym typeface="Wingdings" panose="05000000000000000000" pitchFamily="2" charset="2"/>
-              </a:rPr>
-              <a:t>Etudes des nouvelles technologies émergentes…</a:t>
+              <a:t>des nouvelles technologies émergentes…</a:t>
             </a:r>
           </a:p>
           <a:p>
@@ -4841,7 +5240,7 @@
           <p:nvPr/>
         </p:nvPicPr>
         <p:blipFill>
-          <a:blip r:embed="rId2" cstate="print">
+          <a:blip r:embed="rId3" cstate="print">
             <a:extLst>
               <a:ext uri="{28A0092B-C50C-407E-A947-70E740481C1C}">
                 <a14:useLocalDpi xmlns:a14="http://schemas.microsoft.com/office/drawing/2010/main" val="0"/>
@@ -4882,7 +5281,7 @@
           <p:nvPr/>
         </p:nvPicPr>
         <p:blipFill>
-          <a:blip r:embed="rId3" cstate="print">
+          <a:blip r:embed="rId4" cstate="print">
             <a:extLst>
               <a:ext uri="{28A0092B-C50C-407E-A947-70E740481C1C}">
                 <a14:useLocalDpi xmlns:a14="http://schemas.microsoft.com/office/drawing/2010/main" val="0"/>
@@ -4936,7 +5335,7 @@
           <p:nvPr/>
         </p:nvPicPr>
         <p:blipFill>
-          <a:blip r:embed="rId4" cstate="print">
+          <a:blip r:embed="rId5" cstate="print">
             <a:extLst>
               <a:ext uri="{28A0092B-C50C-407E-A947-70E740481C1C}">
                 <a14:useLocalDpi xmlns:a14="http://schemas.microsoft.com/office/drawing/2010/main" val="0"/>
@@ -4977,7 +5376,7 @@
           <p:nvPr/>
         </p:nvPicPr>
         <p:blipFill>
-          <a:blip r:embed="rId5" cstate="print">
+          <a:blip r:embed="rId6" cstate="print">
             <a:extLst>
               <a:ext uri="{28A0092B-C50C-407E-A947-70E740481C1C}">
                 <a14:useLocalDpi xmlns:a14="http://schemas.microsoft.com/office/drawing/2010/main" val="0"/>
@@ -5009,6 +5408,47 @@
           </a:extLst>
         </p:spPr>
       </p:pic>
+      <p:pic>
+        <p:nvPicPr>
+          <p:cNvPr id="9" name="Picture 3" descr="C:\Users\Phil\Documents\GitHub\PIMS\OppAffaire\Images Diverses\FAR_V_IEW.png"/>
+          <p:cNvPicPr>
+            <a:picLocks noChangeAspect="1" noChangeArrowheads="1"/>
+          </p:cNvPicPr>
+          <p:nvPr/>
+        </p:nvPicPr>
+        <p:blipFill>
+          <a:blip r:embed="rId7" cstate="print">
+            <a:extLst>
+              <a:ext uri="{28A0092B-C50C-407E-A947-70E740481C1C}">
+                <a14:useLocalDpi xmlns:a14="http://schemas.microsoft.com/office/drawing/2010/main" val="0"/>
+              </a:ext>
+            </a:extLst>
+          </a:blip>
+          <a:srcRect/>
+          <a:stretch>
+            <a:fillRect/>
+          </a:stretch>
+        </p:blipFill>
+        <p:spPr bwMode="auto">
+          <a:xfrm>
+            <a:off x="4499992" y="2352351"/>
+            <a:ext cx="1008112" cy="428577"/>
+          </a:xfrm>
+          <a:prstGeom prst="rect">
+            <a:avLst/>
+          </a:prstGeom>
+          <a:noFill/>
+          <a:extLst>
+            <a:ext uri="{909E8E84-426E-40DD-AFC4-6F175D3DCCD1}">
+              <a14:hiddenFill xmlns:a14="http://schemas.microsoft.com/office/drawing/2010/main">
+                <a:solidFill>
+                  <a:srgbClr val="FFFFFF"/>
+                </a:solidFill>
+              </a14:hiddenFill>
+            </a:ext>
+          </a:extLst>
+        </p:spPr>
+      </p:pic>
     </p:spTree>
     <p:extLst>
       <p:ext uri="{BB962C8B-B14F-4D97-AF65-F5344CB8AC3E}">
@@ -5019,6 +5459,13 @@
   <p:clrMapOvr>
     <a:masterClrMapping/>
   </p:clrMapOvr>
+  <p:timing>
+    <p:tnLst>
+      <p:par>
+        <p:cTn id="1" dur="indefinite" restart="never" nodeType="tmRoot"/>
+      </p:par>
+    </p:tnLst>
+  </p:timing>
 </p:sld>
 </file>
 
@@ -5093,6 +5540,70 @@
           </a:p>
         </p:txBody>
       </p:sp>
+      <p:sp>
+        <p:nvSpPr>
+          <p:cNvPr id="2" name="ZoneTexte 1"/>
+          <p:cNvSpPr txBox="1"/>
+          <p:nvPr/>
+        </p:nvSpPr>
+        <p:spPr>
+          <a:xfrm>
+            <a:off x="0" y="5072768"/>
+            <a:ext cx="2843808" cy="1477328"/>
+          </a:xfrm>
+          <a:prstGeom prst="rect">
+            <a:avLst/>
+          </a:prstGeom>
+          <a:noFill/>
+        </p:spPr>
+        <p:txBody>
+          <a:bodyPr wrap="square" rtlCol="0">
+            <a:spAutoFit/>
+          </a:bodyPr>
+          <a:lstStyle/>
+          <a:p>
+            <a:pPr algn="ctr"/>
+            <a:r>
+              <a:rPr lang="fr-FR" dirty="0" smtClean="0">
+                <a:solidFill>
+                  <a:schemeClr val="bg1"/>
+                </a:solidFill>
+              </a:rPr>
+              <a:t>Pour plus d’informations, contactez-nous :</a:t>
+            </a:r>
+          </a:p>
+          <a:p>
+            <a:pPr algn="ctr"/>
+            <a:endParaRPr lang="fr-FR" dirty="0" smtClean="0">
+              <a:solidFill>
+                <a:schemeClr val="bg1"/>
+              </a:solidFill>
+            </a:endParaRPr>
+          </a:p>
+          <a:p>
+            <a:pPr algn="ctr"/>
+            <a:r>
+              <a:rPr lang="fr-FR" dirty="0" smtClean="0">
+                <a:solidFill>
+                  <a:schemeClr val="bg1"/>
+                </a:solidFill>
+              </a:rPr>
+              <a:t>05.36.95.45.78</a:t>
+            </a:r>
+          </a:p>
+          <a:p>
+            <a:pPr algn="ctr"/>
+            <a:r>
+              <a:rPr lang="fr-FR" dirty="0" smtClean="0">
+                <a:solidFill>
+                  <a:schemeClr val="bg1"/>
+                </a:solidFill>
+              </a:rPr>
+              <a:t>farview@institutoptique.fr</a:t>
+            </a:r>
+          </a:p>
+        </p:txBody>
+      </p:sp>
     </p:spTree>
     <p:extLst>
       <p:ext uri="{BB962C8B-B14F-4D97-AF65-F5344CB8AC3E}">
@@ -5103,6 +5614,13 @@
   <p:clrMapOvr>
     <a:masterClrMapping/>
   </p:clrMapOvr>
+  <p:timing>
+    <p:tnLst>
+      <p:par>
+        <p:cTn id="1" dur="indefinite" restart="never" nodeType="tmRoot"/>
+      </p:par>
+    </p:tnLst>
+  </p:timing>
 </p:sld>
 </file>
 
@@ -5280,6 +5798,13 @@
   <p:clrMapOvr>
     <a:masterClrMapping/>
   </p:clrMapOvr>
+  <p:timing>
+    <p:tnLst>
+      <p:par>
+        <p:cTn id="1" dur="indefinite" restart="never" nodeType="tmRoot"/>
+      </p:par>
+    </p:tnLst>
+  </p:timing>
 </p:sld>
 </file>
 
@@ -5555,6 +6080,13 @@
   <p:clrMapOvr>
     <a:masterClrMapping/>
   </p:clrMapOvr>
+  <p:timing>
+    <p:tnLst>
+      <p:par>
+        <p:cTn id="1" dur="indefinite" restart="never" nodeType="tmRoot"/>
+      </p:par>
+    </p:tnLst>
+  </p:timing>
 </p:sld>
 </file>
 
@@ -5961,7 +6493,7 @@
         </p:blipFill>
         <p:spPr bwMode="auto">
           <a:xfrm>
-            <a:off x="2771800" y="5013176"/>
+            <a:off x="2843808" y="5013176"/>
             <a:ext cx="1008112" cy="428577"/>
           </a:xfrm>
           <a:prstGeom prst="rect">
@@ -6030,6 +6562,13 @@
   <p:clrMapOvr>
     <a:masterClrMapping/>
   </p:clrMapOvr>
+  <p:timing>
+    <p:tnLst>
+      <p:par>
+        <p:cTn id="1" dur="indefinite" restart="never" nodeType="tmRoot"/>
+      </p:par>
+    </p:tnLst>
+  </p:timing>
 </p:sld>
 </file>
 
@@ -6112,6 +6651,13 @@
   <p:clrMapOvr>
     <a:masterClrMapping/>
   </p:clrMapOvr>
+  <p:timing>
+    <p:tnLst>
+      <p:par>
+        <p:cTn id="1" dur="indefinite" restart="never" nodeType="tmRoot"/>
+      </p:par>
+    </p:tnLst>
+  </p:timing>
 </p:sld>
 </file>
 
@@ -6191,7 +6737,7 @@
         </p:nvSpPr>
         <p:spPr>
           <a:xfrm>
-            <a:off x="518864" y="2040955"/>
+            <a:off x="467742" y="1538090"/>
             <a:ext cx="8208714" cy="4680520"/>
           </a:xfrm>
         </p:spPr>
@@ -6220,7 +6766,11 @@
             <a:pPr lvl="1"/>
             <a:r>
               <a:rPr lang="fr-FR" sz="2000" dirty="0"/>
-              <a:t> chercheurs</a:t>
+              <a:t> </a:t>
+            </a:r>
+            <a:r>
+              <a:rPr lang="fr-FR" sz="2000" dirty="0" smtClean="0"/>
+              <a:t>chercheurs</a:t>
             </a:r>
           </a:p>
           <a:p>
@@ -6228,11 +6778,30 @@
           </a:p>
           <a:p>
             <a:r>
+              <a:rPr lang="fr-FR" sz="2400" dirty="0" smtClean="0"/>
+              <a:t>Durée </a:t>
+            </a:r>
+            <a:r>
               <a:rPr lang="fr-FR" sz="2400" dirty="0"/>
-              <a:t>Durée de vie du produit : 5 ans</a:t>
-            </a:r>
-          </a:p>
-          <a:p>
+              <a:t>de vie </a:t>
+            </a:r>
+            <a:r>
+              <a:rPr lang="fr-FR" sz="2400" dirty="0" smtClean="0"/>
+              <a:t>d’un microscope : </a:t>
+            </a:r>
+            <a:r>
+              <a:rPr lang="fr-FR" sz="2400" dirty="0"/>
+              <a:t>5 ans</a:t>
+            </a:r>
+          </a:p>
+          <a:p>
+            <a:endParaRPr lang="fr-FR" sz="1800" dirty="0" smtClean="0"/>
+          </a:p>
+          <a:p>
+            <a:r>
+              <a:rPr lang="fr-FR" sz="2400" dirty="0" smtClean="0"/>
+              <a:t>Etendu mondialement :</a:t>
+            </a:r>
             <a:endParaRPr lang="fr-FR" sz="1800" dirty="0"/>
           </a:p>
           <a:p>
@@ -6240,6 +6809,302 @@
           </a:p>
         </p:txBody>
       </p:sp>
+      <p:grpSp>
+        <p:nvGrpSpPr>
+          <p:cNvPr id="6" name="Groupe 5"/>
+          <p:cNvGrpSpPr/>
+          <p:nvPr/>
+        </p:nvGrpSpPr>
+        <p:grpSpPr>
+          <a:xfrm>
+            <a:off x="4833948" y="3920569"/>
+            <a:ext cx="4310052" cy="2376264"/>
+            <a:chOff x="4833948" y="1544305"/>
+            <a:chExt cx="4310052" cy="2376264"/>
+          </a:xfrm>
+        </p:grpSpPr>
+        <p:pic>
+          <p:nvPicPr>
+            <p:cNvPr id="2050" name="Picture 2" descr="C:\Users\Phil\Downloads\carte-monde.png"/>
+            <p:cNvPicPr>
+              <a:picLocks noChangeAspect="1" noChangeArrowheads="1"/>
+            </p:cNvPicPr>
+            <p:nvPr/>
+          </p:nvPicPr>
+          <p:blipFill>
+            <a:blip r:embed="rId2" cstate="print">
+              <a:extLst>
+                <a:ext uri="{28A0092B-C50C-407E-A947-70E740481C1C}">
+                  <a14:useLocalDpi xmlns:a14="http://schemas.microsoft.com/office/drawing/2010/main" val="0"/>
+                </a:ext>
+              </a:extLst>
+            </a:blip>
+            <a:srcRect/>
+            <a:stretch>
+              <a:fillRect/>
+            </a:stretch>
+          </p:blipFill>
+          <p:spPr bwMode="auto">
+            <a:xfrm>
+              <a:off x="4833948" y="1544305"/>
+              <a:ext cx="4310052" cy="2376264"/>
+            </a:xfrm>
+            <a:prstGeom prst="rect">
+              <a:avLst/>
+            </a:prstGeom>
+            <a:noFill/>
+            <a:extLst>
+              <a:ext uri="{909E8E84-426E-40DD-AFC4-6F175D3DCCD1}">
+                <a14:hiddenFill xmlns:a14="http://schemas.microsoft.com/office/drawing/2010/main">
+                  <a:solidFill>
+                    <a:srgbClr val="FFFFFF"/>
+                  </a:solidFill>
+                </a14:hiddenFill>
+              </a:ext>
+            </a:extLst>
+          </p:spPr>
+        </p:pic>
+        <p:sp>
+          <p:nvSpPr>
+            <p:cNvPr id="5" name="Triangle isocèle 4"/>
+            <p:cNvSpPr/>
+            <p:nvPr/>
+          </p:nvSpPr>
+          <p:spPr>
+            <a:xfrm rot="10800000">
+              <a:off x="5469008" y="1952835"/>
+              <a:ext cx="360040" cy="504056"/>
+            </a:xfrm>
+            <a:prstGeom prst="triangle">
+              <a:avLst/>
+            </a:prstGeom>
+            <a:solidFill>
+              <a:schemeClr val="tx2"/>
+            </a:solidFill>
+            <a:ln>
+              <a:solidFill>
+                <a:schemeClr val="tx1"/>
+              </a:solidFill>
+            </a:ln>
+          </p:spPr>
+          <p:style>
+            <a:lnRef idx="2">
+              <a:schemeClr val="accent1">
+                <a:shade val="50000"/>
+              </a:schemeClr>
+            </a:lnRef>
+            <a:fillRef idx="1">
+              <a:schemeClr val="accent1"/>
+            </a:fillRef>
+            <a:effectRef idx="0">
+              <a:schemeClr val="accent1"/>
+            </a:effectRef>
+            <a:fontRef idx="minor">
+              <a:schemeClr val="lt1"/>
+            </a:fontRef>
+          </p:style>
+          <p:txBody>
+            <a:bodyPr rtlCol="0" anchor="ctr"/>
+            <a:lstStyle/>
+            <a:p>
+              <a:pPr algn="ctr"/>
+              <a:endParaRPr lang="fr-FR"/>
+            </a:p>
+          </p:txBody>
+        </p:sp>
+        <p:sp>
+          <p:nvSpPr>
+            <p:cNvPr id="7" name="Triangle isocèle 6"/>
+            <p:cNvSpPr/>
+            <p:nvPr/>
+          </p:nvSpPr>
+          <p:spPr>
+            <a:xfrm rot="10800000">
+              <a:off x="8100392" y="1785924"/>
+              <a:ext cx="360040" cy="504056"/>
+            </a:xfrm>
+            <a:prstGeom prst="triangle">
+              <a:avLst/>
+            </a:prstGeom>
+            <a:solidFill>
+              <a:schemeClr val="tx2"/>
+            </a:solidFill>
+            <a:ln>
+              <a:solidFill>
+                <a:schemeClr val="tx1"/>
+              </a:solidFill>
+            </a:ln>
+          </p:spPr>
+          <p:style>
+            <a:lnRef idx="2">
+              <a:schemeClr val="accent1">
+                <a:shade val="50000"/>
+              </a:schemeClr>
+            </a:lnRef>
+            <a:fillRef idx="1">
+              <a:schemeClr val="accent1"/>
+            </a:fillRef>
+            <a:effectRef idx="0">
+              <a:schemeClr val="accent1"/>
+            </a:effectRef>
+            <a:fontRef idx="minor">
+              <a:schemeClr val="lt1"/>
+            </a:fontRef>
+          </p:style>
+          <p:txBody>
+            <a:bodyPr rtlCol="0" anchor="ctr"/>
+            <a:lstStyle/>
+            <a:p>
+              <a:pPr algn="ctr"/>
+              <a:endParaRPr lang="fr-FR"/>
+            </a:p>
+          </p:txBody>
+        </p:sp>
+        <p:sp>
+          <p:nvSpPr>
+            <p:cNvPr id="8" name="Triangle isocèle 7"/>
+            <p:cNvSpPr/>
+            <p:nvPr/>
+          </p:nvSpPr>
+          <p:spPr>
+            <a:xfrm rot="10800000">
+              <a:off x="8316416" y="1988840"/>
+              <a:ext cx="360040" cy="504056"/>
+            </a:xfrm>
+            <a:prstGeom prst="triangle">
+              <a:avLst/>
+            </a:prstGeom>
+            <a:solidFill>
+              <a:schemeClr val="tx2"/>
+            </a:solidFill>
+            <a:ln>
+              <a:solidFill>
+                <a:schemeClr val="tx1"/>
+              </a:solidFill>
+            </a:ln>
+          </p:spPr>
+          <p:style>
+            <a:lnRef idx="2">
+              <a:schemeClr val="accent1">
+                <a:shade val="50000"/>
+              </a:schemeClr>
+            </a:lnRef>
+            <a:fillRef idx="1">
+              <a:schemeClr val="accent1"/>
+            </a:fillRef>
+            <a:effectRef idx="0">
+              <a:schemeClr val="accent1"/>
+            </a:effectRef>
+            <a:fontRef idx="minor">
+              <a:schemeClr val="lt1"/>
+            </a:fontRef>
+          </p:style>
+          <p:txBody>
+            <a:bodyPr rtlCol="0" anchor="ctr"/>
+            <a:lstStyle/>
+            <a:p>
+              <a:pPr algn="ctr"/>
+              <a:endParaRPr lang="fr-FR"/>
+            </a:p>
+          </p:txBody>
+        </p:sp>
+        <p:sp>
+          <p:nvSpPr>
+            <p:cNvPr id="9" name="Triangle isocèle 8"/>
+            <p:cNvSpPr/>
+            <p:nvPr/>
+          </p:nvSpPr>
+          <p:spPr>
+            <a:xfrm rot="10800000">
+              <a:off x="6732240" y="1844824"/>
+              <a:ext cx="360040" cy="504056"/>
+            </a:xfrm>
+            <a:prstGeom prst="triangle">
+              <a:avLst/>
+            </a:prstGeom>
+            <a:solidFill>
+              <a:schemeClr val="tx2"/>
+            </a:solidFill>
+            <a:ln>
+              <a:solidFill>
+                <a:schemeClr val="tx1"/>
+              </a:solidFill>
+            </a:ln>
+          </p:spPr>
+          <p:style>
+            <a:lnRef idx="2">
+              <a:schemeClr val="accent1">
+                <a:shade val="50000"/>
+              </a:schemeClr>
+            </a:lnRef>
+            <a:fillRef idx="1">
+              <a:schemeClr val="accent1"/>
+            </a:fillRef>
+            <a:effectRef idx="0">
+              <a:schemeClr val="accent1"/>
+            </a:effectRef>
+            <a:fontRef idx="minor">
+              <a:schemeClr val="lt1"/>
+            </a:fontRef>
+          </p:style>
+          <p:txBody>
+            <a:bodyPr rtlCol="0" anchor="ctr"/>
+            <a:lstStyle/>
+            <a:p>
+              <a:pPr algn="ctr"/>
+              <a:endParaRPr lang="fr-FR"/>
+            </a:p>
+          </p:txBody>
+        </p:sp>
+        <p:sp>
+          <p:nvSpPr>
+            <p:cNvPr id="10" name="Triangle isocèle 9"/>
+            <p:cNvSpPr/>
+            <p:nvPr/>
+          </p:nvSpPr>
+          <p:spPr>
+            <a:xfrm rot="10800000">
+              <a:off x="6804248" y="1772816"/>
+              <a:ext cx="360040" cy="504056"/>
+            </a:xfrm>
+            <a:prstGeom prst="triangle">
+              <a:avLst/>
+            </a:prstGeom>
+            <a:solidFill>
+              <a:schemeClr val="tx2"/>
+            </a:solidFill>
+            <a:ln>
+              <a:solidFill>
+                <a:schemeClr val="tx1"/>
+              </a:solidFill>
+            </a:ln>
+          </p:spPr>
+          <p:style>
+            <a:lnRef idx="2">
+              <a:schemeClr val="accent1">
+                <a:shade val="50000"/>
+              </a:schemeClr>
+            </a:lnRef>
+            <a:fillRef idx="1">
+              <a:schemeClr val="accent1"/>
+            </a:fillRef>
+            <a:effectRef idx="0">
+              <a:schemeClr val="accent1"/>
+            </a:effectRef>
+            <a:fontRef idx="minor">
+              <a:schemeClr val="lt1"/>
+            </a:fontRef>
+          </p:style>
+          <p:txBody>
+            <a:bodyPr rtlCol="0" anchor="ctr"/>
+            <a:lstStyle/>
+            <a:p>
+              <a:pPr algn="ctr"/>
+              <a:endParaRPr lang="fr-FR"/>
+            </a:p>
+          </p:txBody>
+        </p:sp>
+      </p:grpSp>
     </p:spTree>
     <p:extLst>
       <p:ext uri="{BB962C8B-B14F-4D97-AF65-F5344CB8AC3E}">
@@ -6250,6 +7115,13 @@
   <p:clrMapOvr>
     <a:masterClrMapping/>
   </p:clrMapOvr>
+  <p:timing>
+    <p:tnLst>
+      <p:par>
+        <p:cTn id="1" dur="indefinite" restart="never" nodeType="tmRoot"/>
+      </p:par>
+    </p:tnLst>
+  </p:timing>
 </p:sld>
 </file>
 
@@ -6603,6 +7475,13 @@
   <p:clrMapOvr>
     <a:masterClrMapping/>
   </p:clrMapOvr>
+  <p:timing>
+    <p:tnLst>
+      <p:par>
+        <p:cTn id="1" dur="indefinite" restart="never" nodeType="tmRoot"/>
+      </p:par>
+    </p:tnLst>
+  </p:timing>
 </p:sld>
 </file>
 
@@ -6724,6 +7603,13 @@
   <p:clrMapOvr>
     <a:masterClrMapping/>
   </p:clrMapOvr>
+  <p:timing>
+    <p:tnLst>
+      <p:par>
+        <p:cTn id="1" dur="indefinite" restart="never" nodeType="tmRoot"/>
+      </p:par>
+    </p:tnLst>
+  </p:timing>
 </p:sld>
 </file>
 
@@ -6807,6 +7693,13 @@
   <p:clrMapOvr>
     <a:masterClrMapping/>
   </p:clrMapOvr>
+  <p:timing>
+    <p:tnLst>
+      <p:par>
+        <p:cTn id="1" dur="indefinite" restart="never" nodeType="tmRoot"/>
+      </p:par>
+    </p:tnLst>
+  </p:timing>
 </p:sld>
 </file>
 

--- a/OppAffaire/Présentation orale/Présentation.pptx
+++ b/OppAffaire/Présentation orale/Présentation.pptx
@@ -183,7 +183,7 @@
       </p14:sectionLst>
     </p:ext>
     <p:ext uri="{EFAFB233-063F-42B5-8137-9DF3F51BA10A}">
-      <p15:sldGuideLst xmlns="" xmlns:p15="http://schemas.microsoft.com/office/powerpoint/2012/main">
+      <p15:sldGuideLst xmlns:p15="http://schemas.microsoft.com/office/powerpoint/2012/main" xmlns="">
         <p15:guide id="1" orient="horz" pos="2160">
           <p15:clr>
             <a:srgbClr val="A4A3A4"/>
@@ -197,7 +197,7 @@
       </p15:sldGuideLst>
     </p:ext>
     <p:ext uri="{2D200454-40CA-4A62-9FC3-DE9A4176ACB9}">
-      <p15:notesGuideLst xmlns="" xmlns:p15="http://schemas.microsoft.com/office/powerpoint/2012/main">
+      <p15:notesGuideLst xmlns:p15="http://schemas.microsoft.com/office/powerpoint/2012/main" xmlns="">
         <p15:guide id="1" orient="horz" pos="2880">
           <p15:clr>
             <a:srgbClr val="A4A3A4"/>
@@ -496,11 +496,11 @@
           <c:showPercent val="0"/>
           <c:showBubbleSize val="0"/>
         </c:dLbls>
-        <c:axId val="80400384"/>
-        <c:axId val="80401920"/>
+        <c:axId val="83886080"/>
+        <c:axId val="83887616"/>
       </c:radarChart>
       <c:catAx>
-        <c:axId val="80400384"/>
+        <c:axId val="83886080"/>
         <c:scaling>
           <c:orientation val="minMax"/>
         </c:scaling>
@@ -511,7 +511,7 @@
         <c:majorTickMark val="out"/>
         <c:minorTickMark val="none"/>
         <c:tickLblPos val="nextTo"/>
-        <c:crossAx val="80401920"/>
+        <c:crossAx val="83887616"/>
         <c:crosses val="autoZero"/>
         <c:auto val="1"/>
         <c:lblAlgn val="ctr"/>
@@ -519,7 +519,7 @@
         <c:noMultiLvlLbl val="0"/>
       </c:catAx>
       <c:valAx>
-        <c:axId val="80401920"/>
+        <c:axId val="83887616"/>
         <c:scaling>
           <c:orientation val="minMax"/>
         </c:scaling>
@@ -530,7 +530,7 @@
         <c:majorTickMark val="cross"/>
         <c:minorTickMark val="none"/>
         <c:tickLblPos val="nextTo"/>
-        <c:crossAx val="80400384"/>
+        <c:crossAx val="83886080"/>
         <c:crosses val="autoZero"/>
         <c:crossBetween val="between"/>
       </c:valAx>
@@ -797,11 +797,11 @@
           <c:showPercent val="0"/>
           <c:showBubbleSize val="0"/>
         </c:dLbls>
-        <c:axId val="83464192"/>
-        <c:axId val="83465728"/>
+        <c:axId val="83920768"/>
+        <c:axId val="83922304"/>
       </c:radarChart>
       <c:catAx>
-        <c:axId val="83464192"/>
+        <c:axId val="83920768"/>
         <c:scaling>
           <c:orientation val="minMax"/>
         </c:scaling>
@@ -812,7 +812,7 @@
         <c:majorTickMark val="out"/>
         <c:minorTickMark val="none"/>
         <c:tickLblPos val="nextTo"/>
-        <c:crossAx val="83465728"/>
+        <c:crossAx val="83922304"/>
         <c:crosses val="autoZero"/>
         <c:auto val="1"/>
         <c:lblAlgn val="ctr"/>
@@ -820,7 +820,7 @@
         <c:noMultiLvlLbl val="0"/>
       </c:catAx>
       <c:valAx>
-        <c:axId val="83465728"/>
+        <c:axId val="83922304"/>
         <c:scaling>
           <c:orientation val="minMax"/>
         </c:scaling>
@@ -831,7 +831,7 @@
         <c:majorTickMark val="cross"/>
         <c:minorTickMark val="none"/>
         <c:tickLblPos val="nextTo"/>
-        <c:crossAx val="83464192"/>
+        <c:crossAx val="83920768"/>
         <c:crosses val="autoZero"/>
         <c:crossBetween val="between"/>
       </c:valAx>
@@ -1861,7 +1861,7 @@
       </p:pic>
       <p:pic>
         <p:nvPicPr>
-          <p:cNvPr id="2051" name="Picture 3" descr="C:\Users\Phil\Documents\GitHub\PIMS\OppAffaire\Images Diverses\Farview logo.jpg"/>
+          <p:cNvPr id="8" name="Picture 2" descr="C:\Users\Phil\Documents\GitHub\PIMS\OppAffaire\logo-flyer\FarView3.jpg"/>
           <p:cNvPicPr>
             <a:picLocks noChangeAspect="1" noChangeArrowheads="1"/>
           </p:cNvPicPr>
@@ -1882,8 +1882,8 @@
         </p:blipFill>
         <p:spPr bwMode="auto">
           <a:xfrm>
-            <a:off x="1" y="-1"/>
-            <a:ext cx="2843808" cy="2843807"/>
+            <a:off x="-14543" y="-5416"/>
+            <a:ext cx="2858352" cy="2858352"/>
           </a:xfrm>
           <a:prstGeom prst="rect">
             <a:avLst/>
@@ -2875,7 +2875,7 @@
         </p:blipFill>
         <p:spPr bwMode="auto">
           <a:xfrm>
-            <a:off x="2834367" y="2838090"/>
+            <a:off x="2834367" y="2852936"/>
             <a:ext cx="6309633" cy="3943521"/>
           </a:xfrm>
           <a:prstGeom prst="rect">
@@ -3709,14 +3709,14 @@
                 <a:gridCol w="1897623">
                   <a:extLst>
                     <a:ext uri="{9D8B030D-6E8A-4147-A177-3AD203B41FA5}">
-                      <a16:colId xmlns="" xmlns:a16="http://schemas.microsoft.com/office/drawing/2014/main" val="20000"/>
+                      <a16:colId xmlns:a16="http://schemas.microsoft.com/office/drawing/2014/main" xmlns="" val="20000"/>
                     </a:ext>
                   </a:extLst>
                 </a:gridCol>
                 <a:gridCol w="2134825">
                   <a:extLst>
                     <a:ext uri="{9D8B030D-6E8A-4147-A177-3AD203B41FA5}">
-                      <a16:colId xmlns="" xmlns:a16="http://schemas.microsoft.com/office/drawing/2014/main" val="20001"/>
+                      <a16:colId xmlns:a16="http://schemas.microsoft.com/office/drawing/2014/main" xmlns="" val="20001"/>
                     </a:ext>
                   </a:extLst>
                 </a:gridCol>
@@ -3755,7 +3755,7 @@
                 </a:tc>
                 <a:extLst>
                   <a:ext uri="{0D108BD9-81ED-4DB2-BD59-A6C34878D82A}">
-                    <a16:rowId xmlns="" xmlns:a16="http://schemas.microsoft.com/office/drawing/2014/main" val="10000"/>
+                    <a16:rowId xmlns:a16="http://schemas.microsoft.com/office/drawing/2014/main" xmlns="" val="10000"/>
                   </a:ext>
                 </a:extLst>
               </a:tr>
@@ -3789,7 +3789,7 @@
                 </a:tc>
                 <a:extLst>
                   <a:ext uri="{0D108BD9-81ED-4DB2-BD59-A6C34878D82A}">
-                    <a16:rowId xmlns="" xmlns:a16="http://schemas.microsoft.com/office/drawing/2014/main" val="10001"/>
+                    <a16:rowId xmlns:a16="http://schemas.microsoft.com/office/drawing/2014/main" xmlns="" val="10001"/>
                   </a:ext>
                 </a:extLst>
               </a:tr>
@@ -3824,7 +3824,7 @@
                 </a:tc>
                 <a:extLst>
                   <a:ext uri="{0D108BD9-81ED-4DB2-BD59-A6C34878D82A}">
-                    <a16:rowId xmlns="" xmlns:a16="http://schemas.microsoft.com/office/drawing/2014/main" val="10002"/>
+                    <a16:rowId xmlns:a16="http://schemas.microsoft.com/office/drawing/2014/main" xmlns="" val="10002"/>
                   </a:ext>
                 </a:extLst>
               </a:tr>
@@ -3858,7 +3858,7 @@
                 </a:tc>
                 <a:extLst>
                   <a:ext uri="{0D108BD9-81ED-4DB2-BD59-A6C34878D82A}">
-                    <a16:rowId xmlns="" xmlns:a16="http://schemas.microsoft.com/office/drawing/2014/main" val="10003"/>
+                    <a16:rowId xmlns:a16="http://schemas.microsoft.com/office/drawing/2014/main" xmlns="" val="10003"/>
                   </a:ext>
                 </a:extLst>
               </a:tr>
